--- a/docs/images/pytorch_mlops_template_azure_ml_banner.pptx
+++ b/docs/images/pytorch_mlops_template_azure_ml_banner.pptx
@@ -104,6 +104,11 @@
       </a:defRPr>
     </a:lvl9pPr>
   </p:defaultTextStyle>
+  <p:extLst>
+    <p:ext uri="{EFAFB233-063F-42B5-8137-9DF3F51BA10A}">
+      <p15:sldGuideLst xmlns:p15="http://schemas.microsoft.com/office/powerpoint/2012/main"/>
+    </p:ext>
+  </p:extLst>
 </p:presentation>
 </file>
 
@@ -256,7 +261,7 @@
           <a:p>
             <a:fld id="{016D75CB-CC93-4574-B17F-57F35117A60E}" type="datetimeFigureOut">
               <a:rPr lang="de-DE" smtClean="0"/>
-              <a:t>19.06.2021</a:t>
+              <a:t>13.07.2021</a:t>
             </a:fld>
             <a:endParaRPr lang="de-DE"/>
           </a:p>
@@ -456,7 +461,7 @@
           <a:p>
             <a:fld id="{016D75CB-CC93-4574-B17F-57F35117A60E}" type="datetimeFigureOut">
               <a:rPr lang="de-DE" smtClean="0"/>
-              <a:t>19.06.2021</a:t>
+              <a:t>13.07.2021</a:t>
             </a:fld>
             <a:endParaRPr lang="de-DE"/>
           </a:p>
@@ -666,7 +671,7 @@
           <a:p>
             <a:fld id="{016D75CB-CC93-4574-B17F-57F35117A60E}" type="datetimeFigureOut">
               <a:rPr lang="de-DE" smtClean="0"/>
-              <a:t>19.06.2021</a:t>
+              <a:t>13.07.2021</a:t>
             </a:fld>
             <a:endParaRPr lang="de-DE"/>
           </a:p>
@@ -866,7 +871,7 @@
           <a:p>
             <a:fld id="{016D75CB-CC93-4574-B17F-57F35117A60E}" type="datetimeFigureOut">
               <a:rPr lang="de-DE" smtClean="0"/>
-              <a:t>19.06.2021</a:t>
+              <a:t>13.07.2021</a:t>
             </a:fld>
             <a:endParaRPr lang="de-DE"/>
           </a:p>
@@ -1142,7 +1147,7 @@
           <a:p>
             <a:fld id="{016D75CB-CC93-4574-B17F-57F35117A60E}" type="datetimeFigureOut">
               <a:rPr lang="de-DE" smtClean="0"/>
-              <a:t>19.06.2021</a:t>
+              <a:t>13.07.2021</a:t>
             </a:fld>
             <a:endParaRPr lang="de-DE"/>
           </a:p>
@@ -1410,7 +1415,7 @@
           <a:p>
             <a:fld id="{016D75CB-CC93-4574-B17F-57F35117A60E}" type="datetimeFigureOut">
               <a:rPr lang="de-DE" smtClean="0"/>
-              <a:t>19.06.2021</a:t>
+              <a:t>13.07.2021</a:t>
             </a:fld>
             <a:endParaRPr lang="de-DE"/>
           </a:p>
@@ -1825,7 +1830,7 @@
           <a:p>
             <a:fld id="{016D75CB-CC93-4574-B17F-57F35117A60E}" type="datetimeFigureOut">
               <a:rPr lang="de-DE" smtClean="0"/>
-              <a:t>19.06.2021</a:t>
+              <a:t>13.07.2021</a:t>
             </a:fld>
             <a:endParaRPr lang="de-DE"/>
           </a:p>
@@ -1967,7 +1972,7 @@
           <a:p>
             <a:fld id="{016D75CB-CC93-4574-B17F-57F35117A60E}" type="datetimeFigureOut">
               <a:rPr lang="de-DE" smtClean="0"/>
-              <a:t>19.06.2021</a:t>
+              <a:t>13.07.2021</a:t>
             </a:fld>
             <a:endParaRPr lang="de-DE"/>
           </a:p>
@@ -2080,7 +2085,7 @@
           <a:p>
             <a:fld id="{016D75CB-CC93-4574-B17F-57F35117A60E}" type="datetimeFigureOut">
               <a:rPr lang="de-DE" smtClean="0"/>
-              <a:t>19.06.2021</a:t>
+              <a:t>13.07.2021</a:t>
             </a:fld>
             <a:endParaRPr lang="de-DE"/>
           </a:p>
@@ -2393,7 +2398,7 @@
           <a:p>
             <a:fld id="{016D75CB-CC93-4574-B17F-57F35117A60E}" type="datetimeFigureOut">
               <a:rPr lang="de-DE" smtClean="0"/>
-              <a:t>19.06.2021</a:t>
+              <a:t>13.07.2021</a:t>
             </a:fld>
             <a:endParaRPr lang="de-DE"/>
           </a:p>
@@ -2682,7 +2687,7 @@
           <a:p>
             <a:fld id="{016D75CB-CC93-4574-B17F-57F35117A60E}" type="datetimeFigureOut">
               <a:rPr lang="de-DE" smtClean="0"/>
-              <a:t>19.06.2021</a:t>
+              <a:t>13.07.2021</a:t>
             </a:fld>
             <a:endParaRPr lang="de-DE"/>
           </a:p>
@@ -2925,7 +2930,7 @@
           <a:p>
             <a:fld id="{016D75CB-CC93-4574-B17F-57F35117A60E}" type="datetimeFigureOut">
               <a:rPr lang="de-DE" smtClean="0"/>
-              <a:t>19.06.2021</a:t>
+              <a:t>13.07.2021</a:t>
             </a:fld>
             <a:endParaRPr lang="de-DE"/>
           </a:p>
@@ -3364,8 +3369,8 @@
         </p:blipFill>
         <p:spPr>
           <a:xfrm>
-            <a:off x="3982917" y="539645"/>
-            <a:ext cx="1145582" cy="1220146"/>
+            <a:off x="5575966" y="857266"/>
+            <a:ext cx="890188" cy="948128"/>
           </a:xfrm>
           <a:prstGeom prst="rect">
             <a:avLst/>
@@ -3386,8 +3391,8 @@
         </p:nvSpPr>
         <p:spPr>
           <a:xfrm>
-            <a:off x="659271" y="1879520"/>
-            <a:ext cx="2880000" cy="615820"/>
+            <a:off x="301598" y="1878839"/>
+            <a:ext cx="2448000" cy="615820"/>
           </a:xfrm>
           <a:prstGeom prst="homePlate">
             <a:avLst/>
@@ -3416,7 +3421,7 @@
             <a:pPr algn="ctr"/>
             <a:r>
               <a:rPr lang="de-DE" dirty="0"/>
-              <a:t>Model Development</a:t>
+              <a:t>Infrastructure Provisioning</a:t>
             </a:r>
           </a:p>
         </p:txBody>
@@ -3435,8 +3440,8 @@
         </p:nvSpPr>
         <p:spPr>
           <a:xfrm>
-            <a:off x="3314218" y="1879520"/>
-            <a:ext cx="2880000" cy="615820"/>
+            <a:off x="4908972" y="1878839"/>
+            <a:ext cx="2448000" cy="615820"/>
           </a:xfrm>
           <a:prstGeom prst="chevron">
             <a:avLst/>
@@ -3488,8 +3493,8 @@
         </p:nvSpPr>
         <p:spPr>
           <a:xfrm>
-            <a:off x="5969165" y="1879520"/>
-            <a:ext cx="2880000" cy="615820"/>
+            <a:off x="7208245" y="1878839"/>
+            <a:ext cx="2448000" cy="615820"/>
           </a:xfrm>
           <a:prstGeom prst="chevron">
             <a:avLst/>
@@ -3541,8 +3546,8 @@
         </p:nvSpPr>
         <p:spPr>
           <a:xfrm>
-            <a:off x="8624112" y="1879520"/>
-            <a:ext cx="2880000" cy="615820"/>
+            <a:off x="9516346" y="1878839"/>
+            <a:ext cx="2448000" cy="615820"/>
           </a:xfrm>
           <a:prstGeom prst="chevron">
             <a:avLst/>
@@ -3602,8 +3607,8 @@
         </p:blipFill>
         <p:spPr>
           <a:xfrm>
-            <a:off x="8734862" y="580155"/>
-            <a:ext cx="2383172" cy="1139126"/>
+            <a:off x="9516346" y="887011"/>
+            <a:ext cx="1952713" cy="933372"/>
           </a:xfrm>
           <a:prstGeom prst="rect">
             <a:avLst/>
@@ -3632,8 +3637,8 @@
         </p:blipFill>
         <p:spPr>
           <a:xfrm>
-            <a:off x="7409165" y="701252"/>
-            <a:ext cx="972746" cy="955374"/>
+            <a:off x="8309169" y="919310"/>
+            <a:ext cx="828000" cy="813213"/>
           </a:xfrm>
           <a:prstGeom prst="rect">
             <a:avLst/>
@@ -3662,8 +3667,8 @@
         </p:blipFill>
         <p:spPr>
           <a:xfrm>
-            <a:off x="6194218" y="661659"/>
-            <a:ext cx="1057622" cy="1057622"/>
+            <a:off x="7344474" y="903789"/>
+            <a:ext cx="828160" cy="828160"/>
           </a:xfrm>
           <a:prstGeom prst="rect">
             <a:avLst/>
@@ -3692,8 +3697,8 @@
         </p:blipFill>
         <p:spPr>
           <a:xfrm>
-            <a:off x="556263" y="635465"/>
-            <a:ext cx="2622686" cy="1028506"/>
+            <a:off x="2670827" y="1009137"/>
+            <a:ext cx="2014322" cy="789931"/>
           </a:xfrm>
           <a:prstGeom prst="rect">
             <a:avLst/>
@@ -3728,7 +3733,7 @@
         </p:blipFill>
         <p:spPr>
           <a:xfrm>
-            <a:off x="2024706" y="2889109"/>
+            <a:off x="2075040" y="2847164"/>
             <a:ext cx="7888918" cy="3471124"/>
           </a:xfrm>
           <a:prstGeom prst="rect">
@@ -3736,6 +3741,105 @@
           </a:prstGeom>
         </p:spPr>
       </p:pic>
+      <p:pic>
+        <p:nvPicPr>
+          <p:cNvPr id="3" name="Picture 2" descr="A picture containing text, clipart&#10;&#10;Description automatically generated">
+            <a:extLst>
+              <a:ext uri="{FF2B5EF4-FFF2-40B4-BE49-F238E27FC236}">
+                <a16:creationId xmlns:a16="http://schemas.microsoft.com/office/drawing/2014/main" id="{7B0C91E3-796A-464A-855A-05D866537C44}"/>
+              </a:ext>
+            </a:extLst>
+          </p:cNvPr>
+          <p:cNvPicPr>
+            <a:picLocks noChangeAspect="1"/>
+          </p:cNvPicPr>
+          <p:nvPr/>
+        </p:nvPicPr>
+        <p:blipFill>
+          <a:blip r:embed="rId8">
+            <a:clrChange>
+              <a:clrFrom>
+                <a:srgbClr val="FFFFFF"/>
+              </a:clrFrom>
+              <a:clrTo>
+                <a:srgbClr val="FFFFFF">
+                  <a:alpha val="0"/>
+                </a:srgbClr>
+              </a:clrTo>
+            </a:clrChange>
+            <a:extLst>
+              <a:ext uri="{28A0092B-C50C-407E-A947-70E740481C1C}">
+                <a14:useLocalDpi xmlns:a14="http://schemas.microsoft.com/office/drawing/2010/main" val="0"/>
+              </a:ext>
+            </a:extLst>
+          </a:blip>
+          <a:stretch>
+            <a:fillRect/>
+          </a:stretch>
+        </p:blipFill>
+        <p:spPr>
+          <a:xfrm>
+            <a:off x="311929" y="1174459"/>
+            <a:ext cx="2063360" cy="494488"/>
+          </a:xfrm>
+          <a:prstGeom prst="rect">
+            <a:avLst/>
+          </a:prstGeom>
+        </p:spPr>
+      </p:pic>
+      <p:sp>
+        <p:nvSpPr>
+          <p:cNvPr id="14" name="Arrow: Chevron 13">
+            <a:extLst>
+              <a:ext uri="{FF2B5EF4-FFF2-40B4-BE49-F238E27FC236}">
+                <a16:creationId xmlns:a16="http://schemas.microsoft.com/office/drawing/2014/main" id="{C4313630-CC8F-483F-88C0-05C214674B91}"/>
+              </a:ext>
+            </a:extLst>
+          </p:cNvPr>
+          <p:cNvSpPr/>
+          <p:nvPr/>
+        </p:nvSpPr>
+        <p:spPr>
+          <a:xfrm>
+            <a:off x="2600871" y="1878839"/>
+            <a:ext cx="2448000" cy="615820"/>
+          </a:xfrm>
+          <a:prstGeom prst="chevron">
+            <a:avLst/>
+          </a:prstGeom>
+        </p:spPr>
+        <p:style>
+          <a:lnRef idx="2">
+            <a:schemeClr val="accent3">
+              <a:shade val="50000"/>
+            </a:schemeClr>
+          </a:lnRef>
+          <a:fillRef idx="1">
+            <a:schemeClr val="accent3"/>
+          </a:fillRef>
+          <a:effectRef idx="0">
+            <a:schemeClr val="accent3"/>
+          </a:effectRef>
+          <a:fontRef idx="minor">
+            <a:schemeClr val="lt1"/>
+          </a:fontRef>
+        </p:style>
+        <p:txBody>
+          <a:bodyPr rtlCol="0" anchor="ctr"/>
+          <a:lstStyle/>
+          <a:p>
+            <a:pPr algn="ctr"/>
+            <a:r>
+              <a:rPr lang="de-DE" dirty="0">
+                <a:solidFill>
+                  <a:schemeClr val="bg1"/>
+                </a:solidFill>
+              </a:rPr>
+              <a:t>Model Development</a:t>
+            </a:r>
+          </a:p>
+        </p:txBody>
+      </p:sp>
     </p:spTree>
     <p:extLst>
       <p:ext uri="{BB962C8B-B14F-4D97-AF65-F5344CB8AC3E}">

--- a/docs/images/pytorch_mlops_template_azure_ml_banner.pptx
+++ b/docs/images/pytorch_mlops_template_azure_ml_banner.pptx
@@ -3607,7 +3607,7 @@
         </p:blipFill>
         <p:spPr>
           <a:xfrm>
-            <a:off x="9516346" y="887011"/>
+            <a:off x="9600236" y="887011"/>
             <a:ext cx="1952713" cy="933372"/>
           </a:xfrm>
           <a:prstGeom prst="rect">
@@ -3637,7 +3637,7 @@
         </p:blipFill>
         <p:spPr>
           <a:xfrm>
-            <a:off x="8309169" y="919310"/>
+            <a:off x="8321666" y="969077"/>
             <a:ext cx="828000" cy="813213"/>
           </a:xfrm>
           <a:prstGeom prst="rect">
@@ -3667,7 +3667,7 @@
         </p:blipFill>
         <p:spPr>
           <a:xfrm>
-            <a:off x="7344474" y="903789"/>
+            <a:off x="7356971" y="953556"/>
             <a:ext cx="828160" cy="828160"/>
           </a:xfrm>
           <a:prstGeom prst="rect">
